--- a/business_document/仮説検証/仮説検証.pptx
+++ b/business_document/仮説検証/仮説検証.pptx
@@ -118,6 +118,11 @@
       </a:defRPr>
     </a:lvl9pPr>
   </p:defaultTextStyle>
+  <p:extLst>
+    <p:ext uri="{EFAFB233-063F-42B5-8137-9DF3F51BA10A}">
+      <p15:sldGuideLst xmlns:p15="http://schemas.microsoft.com/office/powerpoint/2012/main"/>
+    </p:ext>
+  </p:extLst>
 </p:presentation>
 </file>
 
@@ -268,7 +273,7 @@
           <a:p>
             <a:fld id="{6C378D4B-CA05-4570-B300-5B0938B0F1FF}" type="datetimeFigureOut">
               <a:rPr kumimoji="1" lang="ja-JP" altLang="en-US" smtClean="0"/>
-              <a:t>2020/1/5</a:t>
+              <a:t>2020/2/15</a:t>
             </a:fld>
             <a:endParaRPr kumimoji="1" lang="ja-JP" altLang="en-US"/>
           </a:p>
@@ -498,7 +503,7 @@
           <a:p>
             <a:fld id="{6C378D4B-CA05-4570-B300-5B0938B0F1FF}" type="datetimeFigureOut">
               <a:rPr kumimoji="1" lang="ja-JP" altLang="en-US" smtClean="0"/>
-              <a:t>2020/1/5</a:t>
+              <a:t>2020/2/15</a:t>
             </a:fld>
             <a:endParaRPr kumimoji="1" lang="ja-JP" altLang="en-US"/>
           </a:p>
@@ -738,7 +743,7 @@
           <a:p>
             <a:fld id="{6C378D4B-CA05-4570-B300-5B0938B0F1FF}" type="datetimeFigureOut">
               <a:rPr kumimoji="1" lang="ja-JP" altLang="en-US" smtClean="0"/>
-              <a:t>2020/1/5</a:t>
+              <a:t>2020/2/15</a:t>
             </a:fld>
             <a:endParaRPr kumimoji="1" lang="ja-JP" altLang="en-US"/>
           </a:p>
@@ -968,7 +973,7 @@
           <a:p>
             <a:fld id="{6C378D4B-CA05-4570-B300-5B0938B0F1FF}" type="datetimeFigureOut">
               <a:rPr kumimoji="1" lang="ja-JP" altLang="en-US" smtClean="0"/>
-              <a:t>2020/1/5</a:t>
+              <a:t>2020/2/15</a:t>
             </a:fld>
             <a:endParaRPr kumimoji="1" lang="ja-JP" altLang="en-US"/>
           </a:p>
@@ -1243,7 +1248,7 @@
           <a:p>
             <a:fld id="{6C378D4B-CA05-4570-B300-5B0938B0F1FF}" type="datetimeFigureOut">
               <a:rPr kumimoji="1" lang="ja-JP" altLang="en-US" smtClean="0"/>
-              <a:t>2020/1/5</a:t>
+              <a:t>2020/2/15</a:t>
             </a:fld>
             <a:endParaRPr kumimoji="1" lang="ja-JP" altLang="en-US"/>
           </a:p>
@@ -1572,7 +1577,7 @@
           <a:p>
             <a:fld id="{6C378D4B-CA05-4570-B300-5B0938B0F1FF}" type="datetimeFigureOut">
               <a:rPr kumimoji="1" lang="ja-JP" altLang="en-US" smtClean="0"/>
-              <a:t>2020/1/5</a:t>
+              <a:t>2020/2/15</a:t>
             </a:fld>
             <a:endParaRPr kumimoji="1" lang="ja-JP" altLang="en-US"/>
           </a:p>
@@ -2048,7 +2053,7 @@
           <a:p>
             <a:fld id="{6C378D4B-CA05-4570-B300-5B0938B0F1FF}" type="datetimeFigureOut">
               <a:rPr kumimoji="1" lang="ja-JP" altLang="en-US" smtClean="0"/>
-              <a:t>2020/1/5</a:t>
+              <a:t>2020/2/15</a:t>
             </a:fld>
             <a:endParaRPr kumimoji="1" lang="ja-JP" altLang="en-US"/>
           </a:p>
@@ -2189,7 +2194,7 @@
           <a:p>
             <a:fld id="{6C378D4B-CA05-4570-B300-5B0938B0F1FF}" type="datetimeFigureOut">
               <a:rPr kumimoji="1" lang="ja-JP" altLang="en-US" smtClean="0"/>
-              <a:t>2020/1/5</a:t>
+              <a:t>2020/2/15</a:t>
             </a:fld>
             <a:endParaRPr kumimoji="1" lang="ja-JP" altLang="en-US"/>
           </a:p>
@@ -2302,7 +2307,7 @@
           <a:p>
             <a:fld id="{6C378D4B-CA05-4570-B300-5B0938B0F1FF}" type="datetimeFigureOut">
               <a:rPr kumimoji="1" lang="ja-JP" altLang="en-US" smtClean="0"/>
-              <a:t>2020/1/5</a:t>
+              <a:t>2020/2/15</a:t>
             </a:fld>
             <a:endParaRPr kumimoji="1" lang="ja-JP" altLang="en-US"/>
           </a:p>
@@ -2645,7 +2650,7 @@
           <a:p>
             <a:fld id="{6C378D4B-CA05-4570-B300-5B0938B0F1FF}" type="datetimeFigureOut">
               <a:rPr kumimoji="1" lang="ja-JP" altLang="en-US" smtClean="0"/>
-              <a:t>2020/1/5</a:t>
+              <a:t>2020/2/15</a:t>
             </a:fld>
             <a:endParaRPr kumimoji="1" lang="ja-JP" altLang="en-US"/>
           </a:p>
@@ -2933,7 +2938,7 @@
           <a:p>
             <a:fld id="{6C378D4B-CA05-4570-B300-5B0938B0F1FF}" type="datetimeFigureOut">
               <a:rPr kumimoji="1" lang="ja-JP" altLang="en-US" smtClean="0"/>
-              <a:t>2020/1/5</a:t>
+              <a:t>2020/2/15</a:t>
             </a:fld>
             <a:endParaRPr kumimoji="1" lang="ja-JP" altLang="en-US"/>
           </a:p>
@@ -3206,7 +3211,7 @@
           <a:p>
             <a:fld id="{6C378D4B-CA05-4570-B300-5B0938B0F1FF}" type="datetimeFigureOut">
               <a:rPr kumimoji="1" lang="ja-JP" altLang="en-US" smtClean="0"/>
-              <a:t>2020/1/5</a:t>
+              <a:t>2020/2/15</a:t>
             </a:fld>
             <a:endParaRPr kumimoji="1" lang="ja-JP" altLang="en-US"/>
           </a:p>
@@ -4162,12 +4167,12 @@
               <a:t>合計人数は</a:t>
             </a:r>
             <a:r>
-              <a:rPr kumimoji="1" lang="en-US" altLang="ja-JP" dirty="0"/>
-              <a:t>20</a:t>
+              <a:rPr lang="en-US" altLang="ja-JP" dirty="0"/>
+              <a:t>40</a:t>
             </a:r>
             <a:r>
               <a:rPr kumimoji="1" lang="ja-JP" altLang="en-US" dirty="0"/>
-              <a:t>人ぐらい</a:t>
+              <a:t>人弱ぐらい</a:t>
             </a:r>
           </a:p>
         </p:txBody>
@@ -5929,15 +5934,14 @@
           <a:p>
             <a:r>
               <a:rPr lang="ja-JP" altLang="en-US" dirty="0"/>
-              <a:t>検証により仮説が正しいことが証明されればサービス開発の道しる</a:t>
-            </a:r>
-            <a:r>
-              <a:rPr lang="ja-JP" altLang="en-US" dirty="0" err="1"/>
-              <a:t>べに</a:t>
-            </a:r>
+              <a:t>検証により仮説が正しいことが証明されればサービス開発の</a:t>
+            </a:r>
+            <a:br>
+              <a:rPr lang="en-US" altLang="ja-JP" dirty="0"/>
+            </a:br>
             <a:r>
               <a:rPr lang="ja-JP" altLang="en-US" dirty="0"/>
-              <a:t>なる</a:t>
+              <a:t>道標になる</a:t>
             </a:r>
             <a:endParaRPr lang="en-US" altLang="ja-JP" dirty="0"/>
           </a:p>
